--- a/매뉴얼_최종본.pptx
+++ b/매뉴얼_최종본.pptx
@@ -6,6 +6,8 @@
   </p:sldMasterIdLst>
   <p:sldIdLst>
     <p:sldId id="256" r:id="rId2"/>
+    <p:sldId id="257" r:id="rId3"/>
+    <p:sldId id="258" r:id="rId4"/>
   </p:sldIdLst>
   <p:sldSz cx="12192000" cy="6858000"/>
   <p:notesSz cx="6858000" cy="9144000"/>
@@ -104,6 +106,11 @@
       </a:defRPr>
     </a:lvl9pPr>
   </p:defaultTextStyle>
+  <p:extLst>
+    <p:ext uri="{EFAFB233-063F-42B5-8137-9DF3F51BA10A}">
+      <p15:sldGuideLst xmlns:p15="http://schemas.microsoft.com/office/powerpoint/2012/main"/>
+    </p:ext>
+  </p:extLst>
 </p:presentation>
 </file>
 
@@ -254,7 +261,7 @@
           <a:p>
             <a:fld id="{038257B4-72C1-4CCD-A9CB-763AAD0E310D}" type="datetimeFigureOut">
               <a:rPr lang="ko-KR" altLang="en-US" smtClean="0"/>
-              <a:t>2021-06-07</a:t>
+              <a:t>2021-06-19</a:t>
             </a:fld>
             <a:endParaRPr lang="ko-KR" altLang="en-US"/>
           </a:p>
@@ -452,7 +459,7 @@
           <a:p>
             <a:fld id="{038257B4-72C1-4CCD-A9CB-763AAD0E310D}" type="datetimeFigureOut">
               <a:rPr lang="ko-KR" altLang="en-US" smtClean="0"/>
-              <a:t>2021-06-07</a:t>
+              <a:t>2021-06-19</a:t>
             </a:fld>
             <a:endParaRPr lang="ko-KR" altLang="en-US"/>
           </a:p>
@@ -660,7 +667,7 @@
           <a:p>
             <a:fld id="{038257B4-72C1-4CCD-A9CB-763AAD0E310D}" type="datetimeFigureOut">
               <a:rPr lang="ko-KR" altLang="en-US" smtClean="0"/>
-              <a:t>2021-06-07</a:t>
+              <a:t>2021-06-19</a:t>
             </a:fld>
             <a:endParaRPr lang="ko-KR" altLang="en-US"/>
           </a:p>
@@ -858,7 +865,7 @@
           <a:p>
             <a:fld id="{038257B4-72C1-4CCD-A9CB-763AAD0E310D}" type="datetimeFigureOut">
               <a:rPr lang="ko-KR" altLang="en-US" smtClean="0"/>
-              <a:t>2021-06-07</a:t>
+              <a:t>2021-06-19</a:t>
             </a:fld>
             <a:endParaRPr lang="ko-KR" altLang="en-US"/>
           </a:p>
@@ -1133,7 +1140,7 @@
           <a:p>
             <a:fld id="{038257B4-72C1-4CCD-A9CB-763AAD0E310D}" type="datetimeFigureOut">
               <a:rPr lang="ko-KR" altLang="en-US" smtClean="0"/>
-              <a:t>2021-06-07</a:t>
+              <a:t>2021-06-19</a:t>
             </a:fld>
             <a:endParaRPr lang="ko-KR" altLang="en-US"/>
           </a:p>
@@ -1398,7 +1405,7 @@
           <a:p>
             <a:fld id="{038257B4-72C1-4CCD-A9CB-763AAD0E310D}" type="datetimeFigureOut">
               <a:rPr lang="ko-KR" altLang="en-US" smtClean="0"/>
-              <a:t>2021-06-07</a:t>
+              <a:t>2021-06-19</a:t>
             </a:fld>
             <a:endParaRPr lang="ko-KR" altLang="en-US"/>
           </a:p>
@@ -1810,7 +1817,7 @@
           <a:p>
             <a:fld id="{038257B4-72C1-4CCD-A9CB-763AAD0E310D}" type="datetimeFigureOut">
               <a:rPr lang="ko-KR" altLang="en-US" smtClean="0"/>
-              <a:t>2021-06-07</a:t>
+              <a:t>2021-06-19</a:t>
             </a:fld>
             <a:endParaRPr lang="ko-KR" altLang="en-US"/>
           </a:p>
@@ -1951,7 +1958,7 @@
           <a:p>
             <a:fld id="{038257B4-72C1-4CCD-A9CB-763AAD0E310D}" type="datetimeFigureOut">
               <a:rPr lang="ko-KR" altLang="en-US" smtClean="0"/>
-              <a:t>2021-06-07</a:t>
+              <a:t>2021-06-19</a:t>
             </a:fld>
             <a:endParaRPr lang="ko-KR" altLang="en-US"/>
           </a:p>
@@ -2064,7 +2071,7 @@
           <a:p>
             <a:fld id="{038257B4-72C1-4CCD-A9CB-763AAD0E310D}" type="datetimeFigureOut">
               <a:rPr lang="ko-KR" altLang="en-US" smtClean="0"/>
-              <a:t>2021-06-07</a:t>
+              <a:t>2021-06-19</a:t>
             </a:fld>
             <a:endParaRPr lang="ko-KR" altLang="en-US"/>
           </a:p>
@@ -2375,7 +2382,7 @@
           <a:p>
             <a:fld id="{038257B4-72C1-4CCD-A9CB-763AAD0E310D}" type="datetimeFigureOut">
               <a:rPr lang="ko-KR" altLang="en-US" smtClean="0"/>
-              <a:t>2021-06-07</a:t>
+              <a:t>2021-06-19</a:t>
             </a:fld>
             <a:endParaRPr lang="ko-KR" altLang="en-US"/>
           </a:p>
@@ -2663,7 +2670,7 @@
           <a:p>
             <a:fld id="{038257B4-72C1-4CCD-A9CB-763AAD0E310D}" type="datetimeFigureOut">
               <a:rPr lang="ko-KR" altLang="en-US" smtClean="0"/>
-              <a:t>2021-06-07</a:t>
+              <a:t>2021-06-19</a:t>
             </a:fld>
             <a:endParaRPr lang="ko-KR" altLang="en-US"/>
           </a:p>
@@ -2904,7 +2911,7 @@
           <a:p>
             <a:fld id="{038257B4-72C1-4CCD-A9CB-763AAD0E310D}" type="datetimeFigureOut">
               <a:rPr lang="ko-KR" altLang="en-US" smtClean="0"/>
-              <a:t>2021-06-07</a:t>
+              <a:t>2021-06-19</a:t>
             </a:fld>
             <a:endParaRPr lang="ko-KR" altLang="en-US"/>
           </a:p>
@@ -3351,64 +3358,22 @@
           </a:prstGeom>
         </p:spPr>
       </p:pic>
-      <p:cxnSp>
-        <p:nvCxnSpPr>
-          <p:cNvPr id="7" name="직선 화살표 연결선 6">
-            <a:extLst>
-              <a:ext uri="{FF2B5EF4-FFF2-40B4-BE49-F238E27FC236}">
-                <a16:creationId xmlns:a16="http://schemas.microsoft.com/office/drawing/2014/main" id="{A659AD8C-7397-465D-B966-106D0C48B1B1}"/>
-              </a:ext>
-            </a:extLst>
-          </p:cNvPr>
-          <p:cNvCxnSpPr/>
+      <p:sp>
+        <p:nvSpPr>
+          <p:cNvPr id="9" name="TextBox 8">
+            <a:extLst>
+              <a:ext uri="{FF2B5EF4-FFF2-40B4-BE49-F238E27FC236}">
+                <a16:creationId xmlns:a16="http://schemas.microsoft.com/office/drawing/2014/main" id="{0A96835A-1694-4BA8-AAA2-BB599DC30E72}"/>
+              </a:ext>
+            </a:extLst>
+          </p:cNvPr>
+          <p:cNvSpPr txBox="1"/>
           <p:nvPr/>
-        </p:nvCxnSpPr>
+        </p:nvSpPr>
         <p:spPr>
           <a:xfrm>
-            <a:off x="3244363" y="1377282"/>
-            <a:ext cx="0" cy="216000"/>
-          </a:xfrm>
-          <a:prstGeom prst="straightConnector1">
-            <a:avLst/>
-          </a:prstGeom>
-          <a:ln>
-            <a:solidFill>
-              <a:srgbClr val="FF0000"/>
-            </a:solidFill>
-            <a:tailEnd type="triangle"/>
-          </a:ln>
-        </p:spPr>
-        <p:style>
-          <a:lnRef idx="1">
-            <a:schemeClr val="accent1"/>
-          </a:lnRef>
-          <a:fillRef idx="0">
-            <a:schemeClr val="accent1"/>
-          </a:fillRef>
-          <a:effectRef idx="0">
-            <a:schemeClr val="accent1"/>
-          </a:effectRef>
-          <a:fontRef idx="minor">
-            <a:schemeClr val="tx1"/>
-          </a:fontRef>
-        </p:style>
-      </p:cxnSp>
-      <p:sp>
-        <p:nvSpPr>
-          <p:cNvPr id="8" name="TextBox 7">
-            <a:extLst>
-              <a:ext uri="{FF2B5EF4-FFF2-40B4-BE49-F238E27FC236}">
-                <a16:creationId xmlns:a16="http://schemas.microsoft.com/office/drawing/2014/main" id="{B6D08E5E-20EC-41FB-BB72-ABBD92573949}"/>
-              </a:ext>
-            </a:extLst>
-          </p:cNvPr>
-          <p:cNvSpPr txBox="1"/>
-          <p:nvPr/>
-        </p:nvSpPr>
-        <p:spPr>
-          <a:xfrm>
-            <a:off x="2365132" y="1093971"/>
-            <a:ext cx="1941557" cy="246221"/>
+            <a:off x="6557075" y="1647956"/>
+            <a:ext cx="4171335" cy="461665"/>
           </a:xfrm>
           <a:prstGeom prst="rect">
             <a:avLst/>
@@ -3422,125 +3387,175 @@
           <a:lstStyle/>
           <a:p>
             <a:r>
-              <a:rPr lang="ko-KR" altLang="en-US" sz="1000">
-                <a:solidFill>
-                  <a:srgbClr val="FF0000"/>
-                </a:solidFill>
+              <a:rPr lang="ko-KR" altLang="en-US" sz="1200">
+                <a:solidFill>
+                  <a:schemeClr val="tx2">
+                    <a:lumMod val="75000"/>
+                  </a:schemeClr>
+                </a:solidFill>
+                <a:latin typeface="나눔스퀘어_ac Bold" panose="020B0600000101010101" pitchFamily="50" charset="-127"/>
+                <a:ea typeface="나눔스퀘어_ac Bold" panose="020B0600000101010101" pitchFamily="50" charset="-127"/>
               </a:rPr>
-              <a:t>투자금과 매입가를 설정하시면</a:t>
-            </a:r>
-          </a:p>
-        </p:txBody>
-      </p:sp>
-      <p:sp>
-        <p:nvSpPr>
-          <p:cNvPr id="9" name="TextBox 8">
-            <a:extLst>
-              <a:ext uri="{FF2B5EF4-FFF2-40B4-BE49-F238E27FC236}">
-                <a16:creationId xmlns:a16="http://schemas.microsoft.com/office/drawing/2014/main" id="{0A96835A-1694-4BA8-AAA2-BB599DC30E72}"/>
-              </a:ext>
-            </a:extLst>
-          </p:cNvPr>
-          <p:cNvSpPr txBox="1"/>
-          <p:nvPr/>
-        </p:nvSpPr>
-        <p:spPr>
-          <a:xfrm>
-            <a:off x="7606698" y="1683489"/>
-            <a:ext cx="2082621" cy="400110"/>
-          </a:xfrm>
-          <a:prstGeom prst="rect">
-            <a:avLst/>
-          </a:prstGeom>
-          <a:noFill/>
-        </p:spPr>
-        <p:txBody>
-          <a:bodyPr wrap="none" rtlCol="0">
-            <a:spAutoFit/>
-          </a:bodyPr>
-          <a:lstStyle/>
-          <a:p>
-            <a:r>
-              <a:rPr lang="ko-KR" altLang="en-US" sz="1000">
-                <a:solidFill>
-                  <a:srgbClr val="FF0000"/>
-                </a:solidFill>
+              <a:t>첫번째로 보이는 숫자가 </a:t>
+            </a:r>
+            <a:r>
+              <a:rPr lang="en-US" altLang="ko-KR" sz="1200">
+                <a:solidFill>
+                  <a:schemeClr val="tx2">
+                    <a:lumMod val="75000"/>
+                  </a:schemeClr>
+                </a:solidFill>
+                <a:latin typeface="나눔스퀘어_ac Bold" panose="020B0600000101010101" pitchFamily="50" charset="-127"/>
+                <a:ea typeface="나눔스퀘어_ac Bold" panose="020B0600000101010101" pitchFamily="50" charset="-127"/>
               </a:rPr>
-              <a:t>진입 수량을 알 수 있습니다</a:t>
-            </a:r>
-            <a:endParaRPr lang="en-US" altLang="ko-KR" sz="1000">
+              <a:t>1</a:t>
+            </a:r>
+            <a:r>
+              <a:rPr lang="ko-KR" altLang="en-US" sz="1200">
+                <a:solidFill>
+                  <a:schemeClr val="tx2">
+                    <a:lumMod val="75000"/>
+                  </a:schemeClr>
+                </a:solidFill>
+                <a:latin typeface="나눔스퀘어_ac Bold" panose="020B0600000101010101" pitchFamily="50" charset="-127"/>
+                <a:ea typeface="나눔스퀘어_ac Bold" panose="020B0600000101010101" pitchFamily="50" charset="-127"/>
+              </a:rPr>
+              <a:t>티어 수량입니다</a:t>
+            </a:r>
+            <a:r>
+              <a:rPr lang="en-US" altLang="ko-KR" sz="1200">
+                <a:solidFill>
+                  <a:schemeClr val="tx2">
+                    <a:lumMod val="75000"/>
+                  </a:schemeClr>
+                </a:solidFill>
+                <a:latin typeface="나눔스퀘어_ac Bold" panose="020B0600000101010101" pitchFamily="50" charset="-127"/>
+                <a:ea typeface="나눔스퀘어_ac Bold" panose="020B0600000101010101" pitchFamily="50" charset="-127"/>
+              </a:rPr>
+              <a:t>.</a:t>
+            </a:r>
+          </a:p>
+          <a:p>
+            <a:r>
+              <a:rPr lang="ko-KR" altLang="en-US" sz="1200">
+                <a:solidFill>
+                  <a:schemeClr val="tx2">
+                    <a:lumMod val="75000"/>
+                  </a:schemeClr>
+                </a:solidFill>
+                <a:latin typeface="나눔스퀘어_ac Bold" panose="020B0600000101010101" pitchFamily="50" charset="-127"/>
+                <a:ea typeface="나눔스퀘어_ac Bold" panose="020B0600000101010101" pitchFamily="50" charset="-127"/>
+              </a:rPr>
+              <a:t>이 경우 </a:t>
+            </a:r>
+            <a:r>
+              <a:rPr lang="en-US" altLang="ko-KR" sz="1200">
+                <a:solidFill>
+                  <a:schemeClr val="tx2">
+                    <a:lumMod val="75000"/>
+                  </a:schemeClr>
+                </a:solidFill>
+                <a:latin typeface="나눔스퀘어_ac Bold" panose="020B0600000101010101" pitchFamily="50" charset="-127"/>
+                <a:ea typeface="나눔스퀘어_ac Bold" panose="020B0600000101010101" pitchFamily="50" charset="-127"/>
+              </a:rPr>
+              <a:t>102.34</a:t>
+            </a:r>
+            <a:r>
+              <a:rPr lang="ko-KR" altLang="en-US" sz="1200">
+                <a:solidFill>
+                  <a:schemeClr val="tx2">
+                    <a:lumMod val="75000"/>
+                  </a:schemeClr>
+                </a:solidFill>
+                <a:latin typeface="나눔스퀘어_ac Bold" panose="020B0600000101010101" pitchFamily="50" charset="-127"/>
+                <a:ea typeface="나눔스퀘어_ac Bold" panose="020B0600000101010101" pitchFamily="50" charset="-127"/>
+              </a:rPr>
+              <a:t>에 </a:t>
+            </a:r>
+            <a:r>
+              <a:rPr lang="en-US" altLang="ko-KR" sz="1200">
+                <a:solidFill>
+                  <a:schemeClr val="accent5">
+                    <a:lumMod val="75000"/>
+                  </a:schemeClr>
+                </a:solidFill>
+                <a:latin typeface="나눔스퀘어_ac Bold" panose="020B0600000101010101" pitchFamily="50" charset="-127"/>
+                <a:ea typeface="나눔스퀘어_ac Bold" panose="020B0600000101010101" pitchFamily="50" charset="-127"/>
+              </a:rPr>
+              <a:t>4</a:t>
+            </a:r>
+            <a:r>
+              <a:rPr lang="ko-KR" altLang="en-US" sz="1200">
+                <a:solidFill>
+                  <a:schemeClr val="accent5">
+                    <a:lumMod val="75000"/>
+                  </a:schemeClr>
+                </a:solidFill>
+                <a:latin typeface="나눔스퀘어_ac Bold" panose="020B0600000101010101" pitchFamily="50" charset="-127"/>
+                <a:ea typeface="나눔스퀘어_ac Bold" panose="020B0600000101010101" pitchFamily="50" charset="-127"/>
+              </a:rPr>
+              <a:t>개</a:t>
+            </a:r>
+            <a:r>
+              <a:rPr lang="ko-KR" altLang="en-US" sz="1200">
+                <a:solidFill>
+                  <a:schemeClr val="tx2">
+                    <a:lumMod val="75000"/>
+                  </a:schemeClr>
+                </a:solidFill>
+                <a:latin typeface="나눔스퀘어_ac Bold" panose="020B0600000101010101" pitchFamily="50" charset="-127"/>
+                <a:ea typeface="나눔스퀘어_ac Bold" panose="020B0600000101010101" pitchFamily="50" charset="-127"/>
+              </a:rPr>
+              <a:t>를 직접 주문하여 </a:t>
+            </a:r>
+            <a:r>
+              <a:rPr lang="en-US" altLang="ko-KR" sz="1200">
+                <a:solidFill>
+                  <a:schemeClr val="tx2">
+                    <a:lumMod val="75000"/>
+                  </a:schemeClr>
+                </a:solidFill>
+                <a:latin typeface="나눔스퀘어_ac Bold" panose="020B0600000101010101" pitchFamily="50" charset="-127"/>
+                <a:ea typeface="나눔스퀘어_ac Bold" panose="020B0600000101010101" pitchFamily="50" charset="-127"/>
+              </a:rPr>
+              <a:t>1</a:t>
+            </a:r>
+            <a:r>
+              <a:rPr lang="ko-KR" altLang="en-US" sz="1200">
+                <a:solidFill>
+                  <a:schemeClr val="tx2">
+                    <a:lumMod val="75000"/>
+                  </a:schemeClr>
+                </a:solidFill>
+                <a:latin typeface="나눔스퀘어_ac Bold" panose="020B0600000101010101" pitchFamily="50" charset="-127"/>
+                <a:ea typeface="나눔스퀘어_ac Bold" panose="020B0600000101010101" pitchFamily="50" charset="-127"/>
+              </a:rPr>
+              <a:t>티어 진입하시면 됩니다</a:t>
+            </a:r>
+            <a:r>
+              <a:rPr lang="en-US" altLang="ko-KR" sz="1200">
+                <a:solidFill>
+                  <a:schemeClr val="tx2">
+                    <a:lumMod val="75000"/>
+                  </a:schemeClr>
+                </a:solidFill>
+                <a:latin typeface="나눔스퀘어_ac Bold" panose="020B0600000101010101" pitchFamily="50" charset="-127"/>
+                <a:ea typeface="나눔스퀘어_ac Bold" panose="020B0600000101010101" pitchFamily="50" charset="-127"/>
+              </a:rPr>
+              <a:t>.</a:t>
+            </a:r>
+            <a:endParaRPr lang="ko-KR" altLang="en-US" sz="1200">
               <a:solidFill>
-                <a:srgbClr val="FF0000"/>
+                <a:schemeClr val="tx2">
+                  <a:lumMod val="75000"/>
+                </a:schemeClr>
               </a:solidFill>
+              <a:latin typeface="나눔스퀘어_ac Bold" panose="020B0600000101010101" pitchFamily="50" charset="-127"/>
+              <a:ea typeface="나눔스퀘어_ac Bold" panose="020B0600000101010101" pitchFamily="50" charset="-127"/>
             </a:endParaRPr>
           </a:p>
-          <a:p>
-            <a:r>
-              <a:rPr lang="ko-KR" altLang="en-US" sz="1000">
-                <a:solidFill>
-                  <a:srgbClr val="FF0000"/>
-                </a:solidFill>
-              </a:rPr>
-              <a:t>이건 직접 주문하셔야 합니다 </a:t>
-            </a:r>
-            <a:r>
-              <a:rPr lang="en-US" altLang="ko-KR" sz="1000">
-                <a:solidFill>
-                  <a:srgbClr val="FF0000"/>
-                </a:solidFill>
-              </a:rPr>
-              <a:t>^^</a:t>
-            </a:r>
-            <a:endParaRPr lang="ko-KR" altLang="en-US" sz="1000">
-              <a:solidFill>
-                <a:srgbClr val="FF0000"/>
-              </a:solidFill>
-            </a:endParaRPr>
-          </a:p>
-        </p:txBody>
-      </p:sp>
-      <p:cxnSp>
-        <p:nvCxnSpPr>
-          <p:cNvPr id="10" name="직선 화살표 연결선 9">
-            <a:extLst>
-              <a:ext uri="{FF2B5EF4-FFF2-40B4-BE49-F238E27FC236}">
-                <a16:creationId xmlns:a16="http://schemas.microsoft.com/office/drawing/2014/main" id="{F9DD08C3-0A86-4FB9-90CB-8A579E38D70F}"/>
-              </a:ext>
-            </a:extLst>
-          </p:cNvPr>
-          <p:cNvCxnSpPr/>
-          <p:nvPr/>
-        </p:nvCxnSpPr>
-        <p:spPr>
-          <a:xfrm>
-            <a:off x="8549056" y="2127559"/>
-            <a:ext cx="0" cy="216000"/>
-          </a:xfrm>
-          <a:prstGeom prst="straightConnector1">
-            <a:avLst/>
-          </a:prstGeom>
-          <a:ln>
-            <a:solidFill>
-              <a:srgbClr val="FF0000"/>
-            </a:solidFill>
-            <a:tailEnd type="triangle"/>
-          </a:ln>
-        </p:spPr>
-        <p:style>
-          <a:lnRef idx="1">
-            <a:schemeClr val="accent1"/>
-          </a:lnRef>
-          <a:fillRef idx="0">
-            <a:schemeClr val="accent1"/>
-          </a:fillRef>
-          <a:effectRef idx="0">
-            <a:schemeClr val="accent1"/>
-          </a:effectRef>
-          <a:fontRef idx="minor">
-            <a:schemeClr val="tx1"/>
-          </a:fontRef>
-        </p:style>
-      </p:cxnSp>
+        </p:txBody>
+      </p:sp>
       <p:sp>
         <p:nvSpPr>
           <p:cNvPr id="11" name="직사각형 10">
@@ -3697,12 +3712,264 @@
           </a:p>
         </p:txBody>
       </p:sp>
+      <p:sp>
+        <p:nvSpPr>
+          <p:cNvPr id="16" name="TextBox 15">
+            <a:extLst>
+              <a:ext uri="{FF2B5EF4-FFF2-40B4-BE49-F238E27FC236}">
+                <a16:creationId xmlns:a16="http://schemas.microsoft.com/office/drawing/2014/main" id="{0809FAFB-1346-4097-B181-6F25A4B9A79F}"/>
+              </a:ext>
+            </a:extLst>
+          </p:cNvPr>
+          <p:cNvSpPr txBox="1"/>
+          <p:nvPr/>
+        </p:nvSpPr>
+        <p:spPr>
+          <a:xfrm>
+            <a:off x="1769640" y="1077313"/>
+            <a:ext cx="2911374" cy="461665"/>
+          </a:xfrm>
+          <a:prstGeom prst="rect">
+            <a:avLst/>
+          </a:prstGeom>
+          <a:noFill/>
+        </p:spPr>
+        <p:txBody>
+          <a:bodyPr wrap="none" rtlCol="0">
+            <a:spAutoFit/>
+          </a:bodyPr>
+          <a:lstStyle/>
+          <a:p>
+            <a:r>
+              <a:rPr lang="ko-KR" altLang="en-US" sz="1200">
+                <a:solidFill>
+                  <a:schemeClr val="tx2">
+                    <a:lumMod val="75000"/>
+                  </a:schemeClr>
+                </a:solidFill>
+                <a:latin typeface="나눔스퀘어_ac Bold" panose="020B0600000101010101" pitchFamily="50" charset="-127"/>
+                <a:ea typeface="나눔스퀘어_ac Bold" panose="020B0600000101010101" pitchFamily="50" charset="-127"/>
+              </a:rPr>
+              <a:t>사용자가 설정한 </a:t>
+            </a:r>
+            <a:r>
+              <a:rPr lang="ko-KR" altLang="en-US" sz="1200">
+                <a:solidFill>
+                  <a:schemeClr val="accent5">
+                    <a:lumMod val="75000"/>
+                  </a:schemeClr>
+                </a:solidFill>
+                <a:latin typeface="나눔스퀘어_ac Bold" panose="020B0600000101010101" pitchFamily="50" charset="-127"/>
+                <a:ea typeface="나눔스퀘어_ac Bold" panose="020B0600000101010101" pitchFamily="50" charset="-127"/>
+              </a:rPr>
+              <a:t>투자금</a:t>
+            </a:r>
+            <a:r>
+              <a:rPr lang="en-US" altLang="ko-KR" sz="1200">
+                <a:solidFill>
+                  <a:schemeClr val="tx2">
+                    <a:lumMod val="75000"/>
+                  </a:schemeClr>
+                </a:solidFill>
+                <a:latin typeface="나눔스퀘어_ac Bold" panose="020B0600000101010101" pitchFamily="50" charset="-127"/>
+                <a:ea typeface="나눔스퀘어_ac Bold" panose="020B0600000101010101" pitchFamily="50" charset="-127"/>
+              </a:rPr>
+              <a:t>,</a:t>
+            </a:r>
+            <a:r>
+              <a:rPr lang="ko-KR" altLang="en-US" sz="1200">
+                <a:solidFill>
+                  <a:schemeClr val="tx2">
+                    <a:lumMod val="75000"/>
+                  </a:schemeClr>
+                </a:solidFill>
+                <a:latin typeface="나눔스퀘어_ac Bold" panose="020B0600000101010101" pitchFamily="50" charset="-127"/>
+                <a:ea typeface="나눔스퀘어_ac Bold" panose="020B0600000101010101" pitchFamily="50" charset="-127"/>
+              </a:rPr>
+              <a:t> </a:t>
+            </a:r>
+            <a:r>
+              <a:rPr lang="en-US" altLang="ko-KR" sz="1200">
+                <a:solidFill>
+                  <a:schemeClr val="accent5">
+                    <a:lumMod val="75000"/>
+                  </a:schemeClr>
+                </a:solidFill>
+                <a:latin typeface="나눔스퀘어_ac Bold" panose="020B0600000101010101" pitchFamily="50" charset="-127"/>
+                <a:ea typeface="나눔스퀘어_ac Bold" panose="020B0600000101010101" pitchFamily="50" charset="-127"/>
+              </a:rPr>
+              <a:t>1</a:t>
+            </a:r>
+            <a:r>
+              <a:rPr lang="ko-KR" altLang="en-US" sz="1200">
+                <a:solidFill>
+                  <a:schemeClr val="accent5">
+                    <a:lumMod val="75000"/>
+                  </a:schemeClr>
+                </a:solidFill>
+                <a:latin typeface="나눔스퀘어_ac Bold" panose="020B0600000101010101" pitchFamily="50" charset="-127"/>
+                <a:ea typeface="나눔스퀘어_ac Bold" panose="020B0600000101010101" pitchFamily="50" charset="-127"/>
+              </a:rPr>
+              <a:t>티어 매입가</a:t>
+            </a:r>
+            <a:r>
+              <a:rPr lang="ko-KR" altLang="en-US" sz="1200">
+                <a:solidFill>
+                  <a:schemeClr val="tx2">
+                    <a:lumMod val="75000"/>
+                  </a:schemeClr>
+                </a:solidFill>
+                <a:latin typeface="나눔스퀘어_ac Bold" panose="020B0600000101010101" pitchFamily="50" charset="-127"/>
+                <a:ea typeface="나눔스퀘어_ac Bold" panose="020B0600000101010101" pitchFamily="50" charset="-127"/>
+              </a:rPr>
+              <a:t>에 의한</a:t>
+            </a:r>
+            <a:endParaRPr lang="en-US" altLang="ko-KR" sz="1200">
+              <a:solidFill>
+                <a:schemeClr val="tx2">
+                  <a:lumMod val="75000"/>
+                </a:schemeClr>
+              </a:solidFill>
+              <a:latin typeface="나눔스퀘어_ac Bold" panose="020B0600000101010101" pitchFamily="50" charset="-127"/>
+              <a:ea typeface="나눔스퀘어_ac Bold" panose="020B0600000101010101" pitchFamily="50" charset="-127"/>
+            </a:endParaRPr>
+          </a:p>
+          <a:p>
+            <a:r>
+              <a:rPr lang="ko-KR" altLang="en-US" sz="1200">
+                <a:solidFill>
+                  <a:schemeClr val="tx2">
+                    <a:lumMod val="75000"/>
+                  </a:schemeClr>
+                </a:solidFill>
+                <a:latin typeface="나눔스퀘어_ac Bold" panose="020B0600000101010101" pitchFamily="50" charset="-127"/>
+                <a:ea typeface="나눔스퀘어_ac Bold" panose="020B0600000101010101" pitchFamily="50" charset="-127"/>
+              </a:rPr>
+              <a:t>티어별 수량을 확인하실 수 있습니다</a:t>
+            </a:r>
+            <a:r>
+              <a:rPr lang="en-US" altLang="ko-KR" sz="1200">
+                <a:solidFill>
+                  <a:schemeClr val="tx2">
+                    <a:lumMod val="75000"/>
+                  </a:schemeClr>
+                </a:solidFill>
+                <a:latin typeface="나눔스퀘어_ac Bold" panose="020B0600000101010101" pitchFamily="50" charset="-127"/>
+                <a:ea typeface="나눔스퀘어_ac Bold" panose="020B0600000101010101" pitchFamily="50" charset="-127"/>
+              </a:rPr>
+              <a:t>.</a:t>
+            </a:r>
+            <a:endParaRPr lang="ko-KR" altLang="en-US" sz="1200">
+              <a:solidFill>
+                <a:schemeClr val="tx2">
+                  <a:lumMod val="75000"/>
+                </a:schemeClr>
+              </a:solidFill>
+              <a:latin typeface="나눔스퀘어_ac Bold" panose="020B0600000101010101" pitchFamily="50" charset="-127"/>
+              <a:ea typeface="나눔스퀘어_ac Bold" panose="020B0600000101010101" pitchFamily="50" charset="-127"/>
+            </a:endParaRPr>
+          </a:p>
+        </p:txBody>
+      </p:sp>
+      <p:sp>
+        <p:nvSpPr>
+          <p:cNvPr id="18" name="TextBox 17">
+            <a:extLst>
+              <a:ext uri="{FF2B5EF4-FFF2-40B4-BE49-F238E27FC236}">
+                <a16:creationId xmlns:a16="http://schemas.microsoft.com/office/drawing/2014/main" id="{C3EB78AC-25C4-422A-92E0-CA2F3AB79EDA}"/>
+              </a:ext>
+            </a:extLst>
+          </p:cNvPr>
+          <p:cNvSpPr txBox="1"/>
+          <p:nvPr/>
+        </p:nvSpPr>
+        <p:spPr>
+          <a:xfrm>
+            <a:off x="2182363" y="4678857"/>
+            <a:ext cx="4147289" cy="461665"/>
+          </a:xfrm>
+          <a:prstGeom prst="rect">
+            <a:avLst/>
+          </a:prstGeom>
+          <a:noFill/>
+        </p:spPr>
+        <p:txBody>
+          <a:bodyPr wrap="none" rtlCol="0">
+            <a:spAutoFit/>
+          </a:bodyPr>
+          <a:lstStyle/>
+          <a:p>
+            <a:r>
+              <a:rPr lang="ko-KR" altLang="en-US" sz="1200">
+                <a:solidFill>
+                  <a:schemeClr val="tx2">
+                    <a:lumMod val="75000"/>
+                  </a:schemeClr>
+                </a:solidFill>
+                <a:latin typeface="나눔스퀘어_ac Bold" panose="020B0600000101010101" pitchFamily="50" charset="-127"/>
+                <a:ea typeface="나눔스퀘어_ac Bold" panose="020B0600000101010101" pitchFamily="50" charset="-127"/>
+              </a:rPr>
+              <a:t>프로그램은 실시간잔고로 종목의 </a:t>
+            </a:r>
+            <a:r>
+              <a:rPr lang="ko-KR" altLang="en-US" sz="1200">
+                <a:solidFill>
+                  <a:schemeClr val="accent5">
+                    <a:lumMod val="75000"/>
+                  </a:schemeClr>
+                </a:solidFill>
+                <a:latin typeface="나눔스퀘어_ac Bold" panose="020B0600000101010101" pitchFamily="50" charset="-127"/>
+                <a:ea typeface="나눔스퀘어_ac Bold" panose="020B0600000101010101" pitchFamily="50" charset="-127"/>
+              </a:rPr>
+              <a:t>잔고량</a:t>
+            </a:r>
+            <a:r>
+              <a:rPr lang="ko-KR" altLang="en-US" sz="1200">
+                <a:solidFill>
+                  <a:schemeClr val="tx2">
+                    <a:lumMod val="75000"/>
+                  </a:schemeClr>
+                </a:solidFill>
+                <a:latin typeface="나눔스퀘어_ac Bold" panose="020B0600000101010101" pitchFamily="50" charset="-127"/>
+                <a:ea typeface="나눔스퀘어_ac Bold" panose="020B0600000101010101" pitchFamily="50" charset="-127"/>
+              </a:rPr>
+              <a:t>을 통해 티어를 구분하고</a:t>
+            </a:r>
+          </a:p>
+          <a:p>
+            <a:r>
+              <a:rPr lang="ko-KR" altLang="en-US" sz="1200">
+                <a:solidFill>
+                  <a:schemeClr val="tx2">
+                    <a:lumMod val="75000"/>
+                  </a:schemeClr>
+                </a:solidFill>
+                <a:latin typeface="나눔스퀘어_ac Bold" panose="020B0600000101010101" pitchFamily="50" charset="-127"/>
+                <a:ea typeface="나눔스퀘어_ac Bold" panose="020B0600000101010101" pitchFamily="50" charset="-127"/>
+              </a:rPr>
+              <a:t>해당 티어에 맞는 주문을 갱신합니다</a:t>
+            </a:r>
+            <a:r>
+              <a:rPr lang="en-US" altLang="ko-KR" sz="1200">
+                <a:solidFill>
+                  <a:schemeClr val="tx2">
+                    <a:lumMod val="75000"/>
+                  </a:schemeClr>
+                </a:solidFill>
+                <a:latin typeface="나눔스퀘어_ac Bold" panose="020B0600000101010101" pitchFamily="50" charset="-127"/>
+                <a:ea typeface="나눔스퀘어_ac Bold" panose="020B0600000101010101" pitchFamily="50" charset="-127"/>
+              </a:rPr>
+              <a:t>.</a:t>
+            </a:r>
+          </a:p>
+        </p:txBody>
+      </p:sp>
       <p:cxnSp>
         <p:nvCxnSpPr>
-          <p:cNvPr id="14" name="직선 화살표 연결선 13">
-            <a:extLst>
-              <a:ext uri="{FF2B5EF4-FFF2-40B4-BE49-F238E27FC236}">
-                <a16:creationId xmlns:a16="http://schemas.microsoft.com/office/drawing/2014/main" id="{D66288E5-5CE2-40D0-8536-51358BD65399}"/>
+          <p:cNvPr id="19" name="직선 화살표 연결선 18">
+            <a:extLst>
+              <a:ext uri="{FF2B5EF4-FFF2-40B4-BE49-F238E27FC236}">
+                <a16:creationId xmlns:a16="http://schemas.microsoft.com/office/drawing/2014/main" id="{D7C30817-B2EA-4790-BBCC-BB9858C34B83}"/>
               </a:ext>
             </a:extLst>
           </p:cNvPr>
@@ -3712,19 +3979,26 @@
           <p:nvPr/>
         </p:nvCxnSpPr>
         <p:spPr>
-          <a:xfrm rot="10800000">
-            <a:off x="2409092" y="4577215"/>
-            <a:ext cx="0" cy="216000"/>
+          <a:xfrm rot="8100000">
+            <a:off x="2637691" y="4392952"/>
+            <a:ext cx="0" cy="252000"/>
           </a:xfrm>
           <a:prstGeom prst="straightConnector1">
             <a:avLst/>
           </a:prstGeom>
-          <a:ln>
+          <a:ln w="28575">
             <a:solidFill>
-              <a:srgbClr val="FF0000"/>
+              <a:schemeClr val="tx2">
+                <a:lumMod val="75000"/>
+              </a:schemeClr>
             </a:solidFill>
-            <a:tailEnd type="triangle"/>
+            <a:tailEnd type="triangle" w="lg" len="lg"/>
           </a:ln>
+          <a:effectLst>
+            <a:outerShdw blurRad="25400" algn="ctr" rotWithShape="0">
+              <a:prstClr val="black"/>
+            </a:outerShdw>
+          </a:effectLst>
         </p:spPr>
         <p:style>
           <a:lnRef idx="1">
@@ -3741,12 +4015,251 @@
           </a:fontRef>
         </p:style>
       </p:cxnSp>
-      <p:sp>
-        <p:nvSpPr>
-          <p:cNvPr id="15" name="TextBox 14">
-            <a:extLst>
-              <a:ext uri="{FF2B5EF4-FFF2-40B4-BE49-F238E27FC236}">
-                <a16:creationId xmlns:a16="http://schemas.microsoft.com/office/drawing/2014/main" id="{365EC723-EEFB-40F8-B381-4E6112A97FE8}"/>
+      <p:cxnSp>
+        <p:nvCxnSpPr>
+          <p:cNvPr id="22" name="직선 화살표 연결선 21">
+            <a:extLst>
+              <a:ext uri="{FF2B5EF4-FFF2-40B4-BE49-F238E27FC236}">
+                <a16:creationId xmlns:a16="http://schemas.microsoft.com/office/drawing/2014/main" id="{87C002EC-6DBE-4DE5-80A5-477CC387C188}"/>
+              </a:ext>
+            </a:extLst>
+          </p:cNvPr>
+          <p:cNvCxnSpPr>
+            <a:cxnSpLocks/>
+          </p:cNvCxnSpPr>
+          <p:nvPr/>
+        </p:nvCxnSpPr>
+        <p:spPr>
+          <a:xfrm rot="8100000">
+            <a:off x="3536513" y="1783367"/>
+            <a:ext cx="0" cy="252000"/>
+          </a:xfrm>
+          <a:prstGeom prst="straightConnector1">
+            <a:avLst/>
+          </a:prstGeom>
+          <a:ln w="28575">
+            <a:solidFill>
+              <a:schemeClr val="bg1"/>
+            </a:solidFill>
+            <a:tailEnd type="triangle" w="lg" len="lg"/>
+          </a:ln>
+          <a:effectLst>
+            <a:outerShdw blurRad="25400" algn="ctr" rotWithShape="0">
+              <a:prstClr val="black"/>
+            </a:outerShdw>
+          </a:effectLst>
+        </p:spPr>
+        <p:style>
+          <a:lnRef idx="1">
+            <a:schemeClr val="accent1"/>
+          </a:lnRef>
+          <a:fillRef idx="0">
+            <a:schemeClr val="accent1"/>
+          </a:fillRef>
+          <a:effectRef idx="0">
+            <a:schemeClr val="accent1"/>
+          </a:effectRef>
+          <a:fontRef idx="minor">
+            <a:schemeClr val="tx1"/>
+          </a:fontRef>
+        </p:style>
+      </p:cxnSp>
+      <p:cxnSp>
+        <p:nvCxnSpPr>
+          <p:cNvPr id="23" name="직선 화살표 연결선 22">
+            <a:extLst>
+              <a:ext uri="{FF2B5EF4-FFF2-40B4-BE49-F238E27FC236}">
+                <a16:creationId xmlns:a16="http://schemas.microsoft.com/office/drawing/2014/main" id="{A8075BAF-043B-4CC3-A22A-39A7A80CBF22}"/>
+              </a:ext>
+            </a:extLst>
+          </p:cNvPr>
+          <p:cNvCxnSpPr>
+            <a:cxnSpLocks/>
+          </p:cNvCxnSpPr>
+          <p:nvPr/>
+        </p:nvCxnSpPr>
+        <p:spPr>
+          <a:xfrm rot="8100000">
+            <a:off x="9606622" y="2608812"/>
+            <a:ext cx="0" cy="252000"/>
+          </a:xfrm>
+          <a:prstGeom prst="straightConnector1">
+            <a:avLst/>
+          </a:prstGeom>
+          <a:ln w="28575">
+            <a:solidFill>
+              <a:schemeClr val="tx2">
+                <a:lumMod val="75000"/>
+              </a:schemeClr>
+            </a:solidFill>
+            <a:tailEnd type="triangle" w="lg" len="lg"/>
+          </a:ln>
+          <a:effectLst>
+            <a:outerShdw blurRad="25400" algn="ctr" rotWithShape="0">
+              <a:prstClr val="black"/>
+            </a:outerShdw>
+          </a:effectLst>
+        </p:spPr>
+        <p:style>
+          <a:lnRef idx="1">
+            <a:schemeClr val="accent1"/>
+          </a:lnRef>
+          <a:fillRef idx="0">
+            <a:schemeClr val="accent1"/>
+          </a:fillRef>
+          <a:effectRef idx="0">
+            <a:schemeClr val="accent1"/>
+          </a:effectRef>
+          <a:fontRef idx="minor">
+            <a:schemeClr val="tx1"/>
+          </a:fontRef>
+        </p:style>
+      </p:cxnSp>
+    </p:spTree>
+    <p:extLst>
+      <p:ext uri="{BB962C8B-B14F-4D97-AF65-F5344CB8AC3E}">
+        <p14:creationId xmlns:p14="http://schemas.microsoft.com/office/powerpoint/2010/main" val="3202908712"/>
+      </p:ext>
+    </p:extLst>
+  </p:cSld>
+  <p:clrMapOvr>
+    <a:masterClrMapping/>
+  </p:clrMapOvr>
+</p:sld>
+</file>
+
+<file path=ppt/slides/slide2.xml><?xml version="1.0" encoding="utf-8"?>
+<p:sld xmlns:a="http://schemas.openxmlformats.org/drawingml/2006/main" xmlns:r="http://schemas.openxmlformats.org/officeDocument/2006/relationships" xmlns:p="http://schemas.openxmlformats.org/presentationml/2006/main">
+  <p:cSld>
+    <p:spTree>
+      <p:nvGrpSpPr>
+        <p:cNvPr id="1" name=""/>
+        <p:cNvGrpSpPr/>
+        <p:nvPr/>
+      </p:nvGrpSpPr>
+      <p:grpSpPr>
+        <a:xfrm>
+          <a:off x="0" y="0"/>
+          <a:ext cx="0" cy="0"/>
+          <a:chOff x="0" y="0"/>
+          <a:chExt cx="0" cy="0"/>
+        </a:xfrm>
+      </p:grpSpPr>
+      <p:pic>
+        <p:nvPicPr>
+          <p:cNvPr id="5" name="그림 4">
+            <a:extLst>
+              <a:ext uri="{FF2B5EF4-FFF2-40B4-BE49-F238E27FC236}">
+                <a16:creationId xmlns:a16="http://schemas.microsoft.com/office/drawing/2014/main" id="{1F123FE6-3562-401A-82C1-BCF19DF73360}"/>
+              </a:ext>
+            </a:extLst>
+          </p:cNvPr>
+          <p:cNvPicPr>
+            <a:picLocks noChangeAspect="1"/>
+          </p:cNvPicPr>
+          <p:nvPr/>
+        </p:nvPicPr>
+        <p:blipFill>
+          <a:blip r:embed="rId2"/>
+          <a:stretch>
+            <a:fillRect/>
+          </a:stretch>
+        </p:blipFill>
+        <p:spPr>
+          <a:xfrm>
+            <a:off x="766638" y="782405"/>
+            <a:ext cx="3600000" cy="4923913"/>
+          </a:xfrm>
+          <a:prstGeom prst="rect">
+            <a:avLst/>
+          </a:prstGeom>
+        </p:spPr>
+      </p:pic>
+      <p:pic>
+        <p:nvPicPr>
+          <p:cNvPr id="7" name="그림 6">
+            <a:extLst>
+              <a:ext uri="{FF2B5EF4-FFF2-40B4-BE49-F238E27FC236}">
+                <a16:creationId xmlns:a16="http://schemas.microsoft.com/office/drawing/2014/main" id="{EE3DAB08-07A0-4FFB-8A38-826F5E1E7792}"/>
+              </a:ext>
+            </a:extLst>
+          </p:cNvPr>
+          <p:cNvPicPr>
+            <a:picLocks noChangeAspect="1"/>
+          </p:cNvPicPr>
+          <p:nvPr/>
+        </p:nvPicPr>
+        <p:blipFill>
+          <a:blip r:embed="rId3"/>
+          <a:stretch>
+            <a:fillRect/>
+          </a:stretch>
+        </p:blipFill>
+        <p:spPr>
+          <a:xfrm>
+            <a:off x="4659323" y="1858321"/>
+            <a:ext cx="4818712" cy="2367527"/>
+          </a:xfrm>
+          <a:prstGeom prst="rect">
+            <a:avLst/>
+          </a:prstGeom>
+        </p:spPr>
+      </p:pic>
+      <p:cxnSp>
+        <p:nvCxnSpPr>
+          <p:cNvPr id="11" name="직선 화살표 연결선 10">
+            <a:extLst>
+              <a:ext uri="{FF2B5EF4-FFF2-40B4-BE49-F238E27FC236}">
+                <a16:creationId xmlns:a16="http://schemas.microsoft.com/office/drawing/2014/main" id="{593AEAAC-1BED-493F-BCC3-DDFA8AAEB294}"/>
+              </a:ext>
+            </a:extLst>
+          </p:cNvPr>
+          <p:cNvCxnSpPr>
+            <a:cxnSpLocks/>
+          </p:cNvCxnSpPr>
+          <p:nvPr/>
+        </p:nvCxnSpPr>
+        <p:spPr>
+          <a:xfrm rot="8100000">
+            <a:off x="2354451" y="4330529"/>
+            <a:ext cx="0" cy="252000"/>
+          </a:xfrm>
+          <a:prstGeom prst="straightConnector1">
+            <a:avLst/>
+          </a:prstGeom>
+          <a:ln w="28575">
+            <a:solidFill>
+              <a:schemeClr val="bg1"/>
+            </a:solidFill>
+            <a:tailEnd type="triangle" w="lg" len="lg"/>
+          </a:ln>
+          <a:effectLst>
+            <a:outerShdw blurRad="25400" algn="ctr" rotWithShape="0">
+              <a:prstClr val="black"/>
+            </a:outerShdw>
+          </a:effectLst>
+        </p:spPr>
+        <p:style>
+          <a:lnRef idx="1">
+            <a:schemeClr val="accent1"/>
+          </a:lnRef>
+          <a:fillRef idx="0">
+            <a:schemeClr val="accent1"/>
+          </a:fillRef>
+          <a:effectRef idx="0">
+            <a:schemeClr val="accent1"/>
+          </a:effectRef>
+          <a:fontRef idx="minor">
+            <a:schemeClr val="tx1"/>
+          </a:fontRef>
+        </p:style>
+      </p:cxnSp>
+      <p:sp>
+        <p:nvSpPr>
+          <p:cNvPr id="12" name="TextBox 11">
+            <a:extLst>
+              <a:ext uri="{FF2B5EF4-FFF2-40B4-BE49-F238E27FC236}">
+                <a16:creationId xmlns:a16="http://schemas.microsoft.com/office/drawing/2014/main" id="{44CF3E6F-1B48-4062-A340-AA1AB967D8E1}"/>
               </a:ext>
             </a:extLst>
           </p:cNvPr>
@@ -3755,8 +4268,8 @@
         </p:nvSpPr>
         <p:spPr>
           <a:xfrm>
-            <a:off x="1066324" y="4996511"/>
-            <a:ext cx="3916457" cy="553998"/>
+            <a:off x="2240063" y="4580794"/>
+            <a:ext cx="1548822" cy="276999"/>
           </a:xfrm>
           <a:prstGeom prst="rect">
             <a:avLst/>
@@ -3770,82 +4283,623 @@
           <a:lstStyle/>
           <a:p>
             <a:r>
-              <a:rPr lang="ko-KR" altLang="en-US" sz="1000">
-                <a:solidFill>
-                  <a:srgbClr val="FF0000"/>
-                </a:solidFill>
+              <a:rPr lang="ko-KR" altLang="en-US" sz="1200">
+                <a:solidFill>
+                  <a:schemeClr val="tx2">
+                    <a:lumMod val="75000"/>
+                  </a:schemeClr>
+                </a:solidFill>
+                <a:latin typeface="나눔스퀘어_ac Bold" panose="020B0600000101010101" pitchFamily="50" charset="-127"/>
+                <a:ea typeface="나눔스퀘어_ac Bold" panose="020B0600000101010101" pitchFamily="50" charset="-127"/>
               </a:rPr>
-              <a:t>프로그램은 실시간잔고로 종목은 잔고량을 통해 티어를 구분하고</a:t>
-            </a:r>
-            <a:endParaRPr lang="en-US" altLang="ko-KR" sz="1000">
+              <a:t>이 버튼을 클릭하시면</a:t>
+            </a:r>
+            <a:r>
+              <a:rPr lang="en-US" altLang="ko-KR" sz="1200">
+                <a:solidFill>
+                  <a:schemeClr val="tx2">
+                    <a:lumMod val="75000"/>
+                  </a:schemeClr>
+                </a:solidFill>
+                <a:latin typeface="나눔스퀘어_ac Bold" panose="020B0600000101010101" pitchFamily="50" charset="-127"/>
+                <a:ea typeface="나눔스퀘어_ac Bold" panose="020B0600000101010101" pitchFamily="50" charset="-127"/>
+              </a:rPr>
+              <a:t>..</a:t>
+            </a:r>
+            <a:endParaRPr lang="ko-KR" altLang="en-US" sz="1200">
               <a:solidFill>
-                <a:srgbClr val="FF0000"/>
+                <a:schemeClr val="tx2">
+                  <a:lumMod val="75000"/>
+                </a:schemeClr>
               </a:solidFill>
+              <a:latin typeface="나눔스퀘어_ac Bold" panose="020B0600000101010101" pitchFamily="50" charset="-127"/>
+              <a:ea typeface="나눔스퀘어_ac Bold" panose="020B0600000101010101" pitchFamily="50" charset="-127"/>
             </a:endParaRPr>
           </a:p>
-          <a:p>
-            <a:r>
-              <a:rPr lang="ko-KR" altLang="en-US" sz="1000">
-                <a:solidFill>
-                  <a:srgbClr val="FF0000"/>
-                </a:solidFill>
+        </p:txBody>
+      </p:sp>
+      <p:sp>
+        <p:nvSpPr>
+          <p:cNvPr id="6" name="TextBox 5">
+            <a:extLst>
+              <a:ext uri="{FF2B5EF4-FFF2-40B4-BE49-F238E27FC236}">
+                <a16:creationId xmlns:a16="http://schemas.microsoft.com/office/drawing/2014/main" id="{7249F1B3-A475-485D-8658-63C18C2740A3}"/>
+              </a:ext>
+            </a:extLst>
+          </p:cNvPr>
+          <p:cNvSpPr txBox="1"/>
+          <p:nvPr/>
+        </p:nvSpPr>
+        <p:spPr>
+          <a:xfrm>
+            <a:off x="4659323" y="1281500"/>
+            <a:ext cx="2911374" cy="461665"/>
+          </a:xfrm>
+          <a:prstGeom prst="rect">
+            <a:avLst/>
+          </a:prstGeom>
+          <a:noFill/>
+        </p:spPr>
+        <p:txBody>
+          <a:bodyPr wrap="none" rtlCol="0">
+            <a:spAutoFit/>
+          </a:bodyPr>
+          <a:lstStyle/>
+          <a:p>
+            <a:r>
+              <a:rPr lang="ko-KR" altLang="en-US" sz="1200">
+                <a:solidFill>
+                  <a:schemeClr val="tx2">
+                    <a:lumMod val="75000"/>
+                  </a:schemeClr>
+                </a:solidFill>
+                <a:latin typeface="나눔스퀘어_ac Bold" panose="020B0600000101010101" pitchFamily="50" charset="-127"/>
+                <a:ea typeface="나눔스퀘어_ac Bold" panose="020B0600000101010101" pitchFamily="50" charset="-127"/>
               </a:rPr>
-              <a:t>해당 티어에 맞는 주문을 갱신합니다</a:t>
-            </a:r>
-            <a:r>
-              <a:rPr lang="en-US" altLang="ko-KR" sz="1000">
-                <a:solidFill>
-                  <a:srgbClr val="FF0000"/>
-                </a:solidFill>
+              <a:t>사용자가 설정한 </a:t>
+            </a:r>
+            <a:r>
+              <a:rPr lang="ko-KR" altLang="en-US" sz="1200">
+                <a:solidFill>
+                  <a:schemeClr val="accent5">
+                    <a:lumMod val="75000"/>
+                  </a:schemeClr>
+                </a:solidFill>
+                <a:latin typeface="나눔스퀘어_ac Bold" panose="020B0600000101010101" pitchFamily="50" charset="-127"/>
+                <a:ea typeface="나눔스퀘어_ac Bold" panose="020B0600000101010101" pitchFamily="50" charset="-127"/>
+              </a:rPr>
+              <a:t>투자금</a:t>
+            </a:r>
+            <a:r>
+              <a:rPr lang="en-US" altLang="ko-KR" sz="1200">
+                <a:solidFill>
+                  <a:schemeClr val="tx2">
+                    <a:lumMod val="75000"/>
+                  </a:schemeClr>
+                </a:solidFill>
+                <a:latin typeface="나눔스퀘어_ac Bold" panose="020B0600000101010101" pitchFamily="50" charset="-127"/>
+                <a:ea typeface="나눔스퀘어_ac Bold" panose="020B0600000101010101" pitchFamily="50" charset="-127"/>
+              </a:rPr>
+              <a:t>,</a:t>
+            </a:r>
+            <a:r>
+              <a:rPr lang="ko-KR" altLang="en-US" sz="1200">
+                <a:solidFill>
+                  <a:schemeClr val="tx2">
+                    <a:lumMod val="75000"/>
+                  </a:schemeClr>
+                </a:solidFill>
+                <a:latin typeface="나눔스퀘어_ac Bold" panose="020B0600000101010101" pitchFamily="50" charset="-127"/>
+                <a:ea typeface="나눔스퀘어_ac Bold" panose="020B0600000101010101" pitchFamily="50" charset="-127"/>
+              </a:rPr>
+              <a:t> </a:t>
+            </a:r>
+            <a:r>
+              <a:rPr lang="en-US" altLang="ko-KR" sz="1200">
+                <a:solidFill>
+                  <a:schemeClr val="accent5">
+                    <a:lumMod val="75000"/>
+                  </a:schemeClr>
+                </a:solidFill>
+                <a:latin typeface="나눔스퀘어_ac Bold" panose="020B0600000101010101" pitchFamily="50" charset="-127"/>
+                <a:ea typeface="나눔스퀘어_ac Bold" panose="020B0600000101010101" pitchFamily="50" charset="-127"/>
+              </a:rPr>
+              <a:t>1</a:t>
+            </a:r>
+            <a:r>
+              <a:rPr lang="ko-KR" altLang="en-US" sz="1200">
+                <a:solidFill>
+                  <a:schemeClr val="accent5">
+                    <a:lumMod val="75000"/>
+                  </a:schemeClr>
+                </a:solidFill>
+                <a:latin typeface="나눔스퀘어_ac Bold" panose="020B0600000101010101" pitchFamily="50" charset="-127"/>
+                <a:ea typeface="나눔스퀘어_ac Bold" panose="020B0600000101010101" pitchFamily="50" charset="-127"/>
+              </a:rPr>
+              <a:t>티어 매입가</a:t>
+            </a:r>
+            <a:r>
+              <a:rPr lang="ko-KR" altLang="en-US" sz="1200">
+                <a:solidFill>
+                  <a:schemeClr val="tx2">
+                    <a:lumMod val="75000"/>
+                  </a:schemeClr>
+                </a:solidFill>
+                <a:latin typeface="나눔스퀘어_ac Bold" panose="020B0600000101010101" pitchFamily="50" charset="-127"/>
+                <a:ea typeface="나눔스퀘어_ac Bold" panose="020B0600000101010101" pitchFamily="50" charset="-127"/>
+              </a:rPr>
+              <a:t>에 의한</a:t>
+            </a:r>
+            <a:endParaRPr lang="en-US" altLang="ko-KR" sz="1200">
+              <a:solidFill>
+                <a:schemeClr val="tx2">
+                  <a:lumMod val="75000"/>
+                </a:schemeClr>
+              </a:solidFill>
+              <a:latin typeface="나눔스퀘어_ac Bold" panose="020B0600000101010101" pitchFamily="50" charset="-127"/>
+              <a:ea typeface="나눔스퀘어_ac Bold" panose="020B0600000101010101" pitchFamily="50" charset="-127"/>
+            </a:endParaRPr>
+          </a:p>
+          <a:p>
+            <a:r>
+              <a:rPr lang="ko-KR" altLang="en-US" sz="1200">
+                <a:solidFill>
+                  <a:schemeClr val="tx2">
+                    <a:lumMod val="75000"/>
+                  </a:schemeClr>
+                </a:solidFill>
+                <a:latin typeface="나눔스퀘어_ac Bold" panose="020B0600000101010101" pitchFamily="50" charset="-127"/>
+                <a:ea typeface="나눔스퀘어_ac Bold" panose="020B0600000101010101" pitchFamily="50" charset="-127"/>
+              </a:rPr>
+              <a:t>티어별 수량을 확인하실 수 있습니다</a:t>
+            </a:r>
+            <a:r>
+              <a:rPr lang="en-US" altLang="ko-KR" sz="1200">
+                <a:solidFill>
+                  <a:schemeClr val="tx2">
+                    <a:lumMod val="75000"/>
+                  </a:schemeClr>
+                </a:solidFill>
+                <a:latin typeface="나눔스퀘어_ac Bold" panose="020B0600000101010101" pitchFamily="50" charset="-127"/>
+                <a:ea typeface="나눔스퀘어_ac Bold" panose="020B0600000101010101" pitchFamily="50" charset="-127"/>
               </a:rPr>
               <a:t>.</a:t>
             </a:r>
-          </a:p>
-          <a:p>
-            <a:r>
-              <a:rPr lang="ko-KR" altLang="en-US" sz="1000">
-                <a:solidFill>
-                  <a:srgbClr val="FF0000"/>
-                </a:solidFill>
+            <a:endParaRPr lang="ko-KR" altLang="en-US" sz="1200">
+              <a:solidFill>
+                <a:schemeClr val="tx2">
+                  <a:lumMod val="75000"/>
+                </a:schemeClr>
+              </a:solidFill>
+              <a:latin typeface="나눔스퀘어_ac Bold" panose="020B0600000101010101" pitchFamily="50" charset="-127"/>
+              <a:ea typeface="나눔스퀘어_ac Bold" panose="020B0600000101010101" pitchFamily="50" charset="-127"/>
+            </a:endParaRPr>
+          </a:p>
+        </p:txBody>
+      </p:sp>
+      <p:sp>
+        <p:nvSpPr>
+          <p:cNvPr id="9" name="TextBox 8">
+            <a:extLst>
+              <a:ext uri="{FF2B5EF4-FFF2-40B4-BE49-F238E27FC236}">
+                <a16:creationId xmlns:a16="http://schemas.microsoft.com/office/drawing/2014/main" id="{88A42CE4-578F-45D3-83FF-589D5999A5DC}"/>
+              </a:ext>
+            </a:extLst>
+          </p:cNvPr>
+          <p:cNvSpPr txBox="1"/>
+          <p:nvPr/>
+        </p:nvSpPr>
+        <p:spPr>
+          <a:xfrm>
+            <a:off x="5189677" y="3198167"/>
+            <a:ext cx="4132863" cy="461665"/>
+          </a:xfrm>
+          <a:prstGeom prst="rect">
+            <a:avLst/>
+          </a:prstGeom>
+          <a:solidFill>
+            <a:schemeClr val="bg1"/>
+          </a:solidFill>
+          <a:ln>
+            <a:solidFill>
+              <a:schemeClr val="tx2">
+                <a:lumMod val="75000"/>
+              </a:schemeClr>
+            </a:solidFill>
+          </a:ln>
+        </p:spPr>
+        <p:txBody>
+          <a:bodyPr wrap="none" rtlCol="0">
+            <a:spAutoFit/>
+          </a:bodyPr>
+          <a:lstStyle/>
+          <a:p>
+            <a:r>
+              <a:rPr lang="ko-KR" altLang="en-US" sz="1200">
+                <a:solidFill>
+                  <a:schemeClr val="tx2">
+                    <a:lumMod val="75000"/>
+                  </a:schemeClr>
+                </a:solidFill>
+                <a:latin typeface="나눔스퀘어_ac Bold" panose="020B0600000101010101" pitchFamily="50" charset="-127"/>
+                <a:ea typeface="나눔스퀘어_ac Bold" panose="020B0600000101010101" pitchFamily="50" charset="-127"/>
               </a:rPr>
-              <a:t>단</a:t>
-            </a:r>
-            <a:r>
-              <a:rPr lang="en-US" altLang="ko-KR" sz="1000">
-                <a:solidFill>
-                  <a:srgbClr val="FF0000"/>
-                </a:solidFill>
+              <a:t>첫번째로 보이는 숫자가 </a:t>
+            </a:r>
+            <a:r>
+              <a:rPr lang="en-US" altLang="ko-KR" sz="1200">
+                <a:solidFill>
+                  <a:schemeClr val="tx2">
+                    <a:lumMod val="75000"/>
+                  </a:schemeClr>
+                </a:solidFill>
+                <a:latin typeface="나눔스퀘어_ac Bold" panose="020B0600000101010101" pitchFamily="50" charset="-127"/>
+                <a:ea typeface="나눔스퀘어_ac Bold" panose="020B0600000101010101" pitchFamily="50" charset="-127"/>
               </a:rPr>
-              <a:t>,</a:t>
-            </a:r>
-            <a:r>
-              <a:rPr lang="ko-KR" altLang="en-US" sz="1000">
-                <a:solidFill>
-                  <a:srgbClr val="FF0000"/>
-                </a:solidFill>
+              <a:t>1</a:t>
+            </a:r>
+            <a:r>
+              <a:rPr lang="ko-KR" altLang="en-US" sz="1200">
+                <a:solidFill>
+                  <a:schemeClr val="tx2">
+                    <a:lumMod val="75000"/>
+                  </a:schemeClr>
+                </a:solidFill>
+                <a:latin typeface="나눔스퀘어_ac Bold" panose="020B0600000101010101" pitchFamily="50" charset="-127"/>
+                <a:ea typeface="나눔스퀘어_ac Bold" panose="020B0600000101010101" pitchFamily="50" charset="-127"/>
               </a:rPr>
-              <a:t> 갱신할 때에는 해당 계좌의 모든 주문을 취소하게 됩니다</a:t>
-            </a:r>
-            <a:r>
-              <a:rPr lang="en-US" altLang="ko-KR" sz="1000">
-                <a:solidFill>
-                  <a:srgbClr val="FF0000"/>
-                </a:solidFill>
+              <a:t>티어 수량입니다</a:t>
+            </a:r>
+            <a:r>
+              <a:rPr lang="en-US" altLang="ko-KR" sz="1200">
+                <a:solidFill>
+                  <a:schemeClr val="tx2">
+                    <a:lumMod val="75000"/>
+                  </a:schemeClr>
+                </a:solidFill>
+                <a:latin typeface="나눔스퀘어_ac Bold" panose="020B0600000101010101" pitchFamily="50" charset="-127"/>
+                <a:ea typeface="나눔스퀘어_ac Bold" panose="020B0600000101010101" pitchFamily="50" charset="-127"/>
               </a:rPr>
               <a:t>.</a:t>
             </a:r>
-            <a:endParaRPr lang="ko-KR" altLang="en-US" sz="1000">
+          </a:p>
+          <a:p>
+            <a:r>
+              <a:rPr lang="ko-KR" altLang="en-US" sz="1200">
+                <a:solidFill>
+                  <a:schemeClr val="tx2">
+                    <a:lumMod val="75000"/>
+                  </a:schemeClr>
+                </a:solidFill>
+                <a:latin typeface="나눔스퀘어_ac Bold" panose="020B0600000101010101" pitchFamily="50" charset="-127"/>
+                <a:ea typeface="나눔스퀘어_ac Bold" panose="020B0600000101010101" pitchFamily="50" charset="-127"/>
+              </a:rPr>
+              <a:t>이 경우 </a:t>
+            </a:r>
+            <a:r>
+              <a:rPr lang="en-US" altLang="ko-KR" sz="1200">
+                <a:solidFill>
+                  <a:schemeClr val="tx2">
+                    <a:lumMod val="75000"/>
+                  </a:schemeClr>
+                </a:solidFill>
+                <a:latin typeface="나눔스퀘어_ac Bold" panose="020B0600000101010101" pitchFamily="50" charset="-127"/>
+                <a:ea typeface="나눔스퀘어_ac Bold" panose="020B0600000101010101" pitchFamily="50" charset="-127"/>
+              </a:rPr>
+              <a:t>106.02</a:t>
+            </a:r>
+            <a:r>
+              <a:rPr lang="ko-KR" altLang="en-US" sz="1200">
+                <a:solidFill>
+                  <a:schemeClr val="tx2">
+                    <a:lumMod val="75000"/>
+                  </a:schemeClr>
+                </a:solidFill>
+                <a:latin typeface="나눔스퀘어_ac Bold" panose="020B0600000101010101" pitchFamily="50" charset="-127"/>
+                <a:ea typeface="나눔스퀘어_ac Bold" panose="020B0600000101010101" pitchFamily="50" charset="-127"/>
+              </a:rPr>
+              <a:t>에 </a:t>
+            </a:r>
+            <a:r>
+              <a:rPr lang="en-US" altLang="ko-KR" sz="1200">
+                <a:solidFill>
+                  <a:schemeClr val="accent5">
+                    <a:lumMod val="75000"/>
+                  </a:schemeClr>
+                </a:solidFill>
+                <a:latin typeface="나눔스퀘어_ac Bold" panose="020B0600000101010101" pitchFamily="50" charset="-127"/>
+                <a:ea typeface="나눔스퀘어_ac Bold" panose="020B0600000101010101" pitchFamily="50" charset="-127"/>
+              </a:rPr>
+              <a:t>4</a:t>
+            </a:r>
+            <a:r>
+              <a:rPr lang="ko-KR" altLang="en-US" sz="1200">
+                <a:solidFill>
+                  <a:schemeClr val="accent5">
+                    <a:lumMod val="75000"/>
+                  </a:schemeClr>
+                </a:solidFill>
+                <a:latin typeface="나눔스퀘어_ac Bold" panose="020B0600000101010101" pitchFamily="50" charset="-127"/>
+                <a:ea typeface="나눔스퀘어_ac Bold" panose="020B0600000101010101" pitchFamily="50" charset="-127"/>
+              </a:rPr>
+              <a:t>개</a:t>
+            </a:r>
+            <a:r>
+              <a:rPr lang="ko-KR" altLang="en-US" sz="1200">
+                <a:solidFill>
+                  <a:schemeClr val="tx2">
+                    <a:lumMod val="75000"/>
+                  </a:schemeClr>
+                </a:solidFill>
+                <a:latin typeface="나눔스퀘어_ac Bold" panose="020B0600000101010101" pitchFamily="50" charset="-127"/>
+                <a:ea typeface="나눔스퀘어_ac Bold" panose="020B0600000101010101" pitchFamily="50" charset="-127"/>
+              </a:rPr>
+              <a:t>를 직접 주문하여 </a:t>
+            </a:r>
+            <a:r>
+              <a:rPr lang="en-US" altLang="ko-KR" sz="1200">
+                <a:solidFill>
+                  <a:schemeClr val="tx2">
+                    <a:lumMod val="75000"/>
+                  </a:schemeClr>
+                </a:solidFill>
+                <a:latin typeface="나눔스퀘어_ac Bold" panose="020B0600000101010101" pitchFamily="50" charset="-127"/>
+                <a:ea typeface="나눔스퀘어_ac Bold" panose="020B0600000101010101" pitchFamily="50" charset="-127"/>
+              </a:rPr>
+              <a:t>1</a:t>
+            </a:r>
+            <a:r>
+              <a:rPr lang="ko-KR" altLang="en-US" sz="1200">
+                <a:solidFill>
+                  <a:schemeClr val="tx2">
+                    <a:lumMod val="75000"/>
+                  </a:schemeClr>
+                </a:solidFill>
+                <a:latin typeface="나눔스퀘어_ac Bold" panose="020B0600000101010101" pitchFamily="50" charset="-127"/>
+                <a:ea typeface="나눔스퀘어_ac Bold" panose="020B0600000101010101" pitchFamily="50" charset="-127"/>
+              </a:rPr>
+              <a:t>티어 진입하시면 됩니다</a:t>
+            </a:r>
+            <a:r>
+              <a:rPr lang="en-US" altLang="ko-KR" sz="1200">
+                <a:solidFill>
+                  <a:schemeClr val="tx2">
+                    <a:lumMod val="75000"/>
+                  </a:schemeClr>
+                </a:solidFill>
+                <a:latin typeface="나눔스퀘어_ac Bold" panose="020B0600000101010101" pitchFamily="50" charset="-127"/>
+                <a:ea typeface="나눔스퀘어_ac Bold" panose="020B0600000101010101" pitchFamily="50" charset="-127"/>
+              </a:rPr>
+              <a:t>.</a:t>
+            </a:r>
+            <a:endParaRPr lang="ko-KR" altLang="en-US" sz="1200">
               <a:solidFill>
-                <a:srgbClr val="FF0000"/>
+                <a:schemeClr val="tx2">
+                  <a:lumMod val="75000"/>
+                </a:schemeClr>
               </a:solidFill>
+              <a:latin typeface="나눔스퀘어_ac Bold" panose="020B0600000101010101" pitchFamily="50" charset="-127"/>
+              <a:ea typeface="나눔스퀘어_ac Bold" panose="020B0600000101010101" pitchFamily="50" charset="-127"/>
             </a:endParaRPr>
           </a:p>
         </p:txBody>
       </p:sp>
+      <p:cxnSp>
+        <p:nvCxnSpPr>
+          <p:cNvPr id="8" name="직선 화살표 연결선 7">
+            <a:extLst>
+              <a:ext uri="{FF2B5EF4-FFF2-40B4-BE49-F238E27FC236}">
+                <a16:creationId xmlns:a16="http://schemas.microsoft.com/office/drawing/2014/main" id="{42DF5F5C-F15E-49DC-AE09-1555748272C9}"/>
+              </a:ext>
+            </a:extLst>
+          </p:cNvPr>
+          <p:cNvCxnSpPr>
+            <a:cxnSpLocks/>
+          </p:cNvCxnSpPr>
+          <p:nvPr/>
+        </p:nvCxnSpPr>
+        <p:spPr>
+          <a:xfrm rot="8100000">
+            <a:off x="5100581" y="2916084"/>
+            <a:ext cx="0" cy="252000"/>
+          </a:xfrm>
+          <a:prstGeom prst="straightConnector1">
+            <a:avLst/>
+          </a:prstGeom>
+          <a:ln w="28575">
+            <a:solidFill>
+              <a:schemeClr val="tx2">
+                <a:lumMod val="75000"/>
+              </a:schemeClr>
+            </a:solidFill>
+            <a:tailEnd type="triangle" w="lg" len="lg"/>
+          </a:ln>
+          <a:effectLst>
+            <a:outerShdw blurRad="25400" algn="ctr" rotWithShape="0">
+              <a:prstClr val="black"/>
+            </a:outerShdw>
+          </a:effectLst>
+        </p:spPr>
+        <p:style>
+          <a:lnRef idx="1">
+            <a:schemeClr val="accent1"/>
+          </a:lnRef>
+          <a:fillRef idx="0">
+            <a:schemeClr val="accent1"/>
+          </a:fillRef>
+          <a:effectRef idx="0">
+            <a:schemeClr val="accent1"/>
+          </a:effectRef>
+          <a:fontRef idx="minor">
+            <a:schemeClr val="tx1"/>
+          </a:fontRef>
+        </p:style>
+      </p:cxnSp>
     </p:spTree>
     <p:extLst>
       <p:ext uri="{BB962C8B-B14F-4D97-AF65-F5344CB8AC3E}">
-        <p14:creationId xmlns:p14="http://schemas.microsoft.com/office/powerpoint/2010/main" val="3202908712"/>
+        <p14:creationId xmlns:p14="http://schemas.microsoft.com/office/powerpoint/2010/main" val="3766311051"/>
+      </p:ext>
+    </p:extLst>
+  </p:cSld>
+  <p:clrMapOvr>
+    <a:masterClrMapping/>
+  </p:clrMapOvr>
+</p:sld>
+</file>
+
+<file path=ppt/slides/slide3.xml><?xml version="1.0" encoding="utf-8"?>
+<p:sld xmlns:a="http://schemas.openxmlformats.org/drawingml/2006/main" xmlns:r="http://schemas.openxmlformats.org/officeDocument/2006/relationships" xmlns:p="http://schemas.openxmlformats.org/presentationml/2006/main">
+  <p:cSld>
+    <p:spTree>
+      <p:nvGrpSpPr>
+        <p:cNvPr id="1" name=""/>
+        <p:cNvGrpSpPr/>
+        <p:nvPr/>
+      </p:nvGrpSpPr>
+      <p:grpSpPr>
+        <a:xfrm>
+          <a:off x="0" y="0"/>
+          <a:ext cx="0" cy="0"/>
+          <a:chOff x="0" y="0"/>
+          <a:chExt cx="0" cy="0"/>
+        </a:xfrm>
+      </p:grpSpPr>
+      <p:pic>
+        <p:nvPicPr>
+          <p:cNvPr id="5" name="그림 4">
+            <a:extLst>
+              <a:ext uri="{FF2B5EF4-FFF2-40B4-BE49-F238E27FC236}">
+                <a16:creationId xmlns:a16="http://schemas.microsoft.com/office/drawing/2014/main" id="{CB356547-F97B-4443-B83D-37EBB594461C}"/>
+              </a:ext>
+            </a:extLst>
+          </p:cNvPr>
+          <p:cNvPicPr>
+            <a:picLocks noChangeAspect="1"/>
+          </p:cNvPicPr>
+          <p:nvPr/>
+        </p:nvPicPr>
+        <p:blipFill>
+          <a:blip r:embed="rId2"/>
+          <a:stretch>
+            <a:fillRect/>
+          </a:stretch>
+        </p:blipFill>
+        <p:spPr>
+          <a:xfrm>
+            <a:off x="1898037" y="1528943"/>
+            <a:ext cx="5828571" cy="2885714"/>
+          </a:xfrm>
+          <a:prstGeom prst="rect">
+            <a:avLst/>
+          </a:prstGeom>
+        </p:spPr>
+      </p:pic>
+      <p:sp>
+        <p:nvSpPr>
+          <p:cNvPr id="9" name="직사각형 8">
+            <a:extLst>
+              <a:ext uri="{FF2B5EF4-FFF2-40B4-BE49-F238E27FC236}">
+                <a16:creationId xmlns:a16="http://schemas.microsoft.com/office/drawing/2014/main" id="{4731C034-05E7-4A62-B679-7F9866E9AD61}"/>
+              </a:ext>
+            </a:extLst>
+          </p:cNvPr>
+          <p:cNvSpPr/>
+          <p:nvPr/>
+        </p:nvSpPr>
+        <p:spPr>
+          <a:xfrm flipV="1">
+            <a:off x="1898037" y="3926095"/>
+            <a:ext cx="1355117" cy="267836"/>
+          </a:xfrm>
+          <a:prstGeom prst="rect">
+            <a:avLst/>
+          </a:prstGeom>
+          <a:noFill/>
+          <a:ln w="19050">
+            <a:solidFill>
+              <a:srgbClr val="FF0000"/>
+            </a:solidFill>
+          </a:ln>
+        </p:spPr>
+        <p:style>
+          <a:lnRef idx="2">
+            <a:schemeClr val="accent1">
+              <a:shade val="50000"/>
+            </a:schemeClr>
+          </a:lnRef>
+          <a:fillRef idx="1">
+            <a:schemeClr val="accent1"/>
+          </a:fillRef>
+          <a:effectRef idx="0">
+            <a:schemeClr val="accent1"/>
+          </a:effectRef>
+          <a:fontRef idx="minor">
+            <a:schemeClr val="lt1"/>
+          </a:fontRef>
+        </p:style>
+        <p:txBody>
+          <a:bodyPr rtlCol="0" anchor="ctr"/>
+          <a:lstStyle/>
+          <a:p>
+            <a:pPr algn="ctr"/>
+            <a:endParaRPr lang="ko-KR" altLang="en-US"/>
+          </a:p>
+        </p:txBody>
+      </p:sp>
+      <p:cxnSp>
+        <p:nvCxnSpPr>
+          <p:cNvPr id="11" name="직선 화살표 연결선 10">
+            <a:extLst>
+              <a:ext uri="{FF2B5EF4-FFF2-40B4-BE49-F238E27FC236}">
+                <a16:creationId xmlns:a16="http://schemas.microsoft.com/office/drawing/2014/main" id="{EFAC40BE-3884-479F-A230-A27373C5045E}"/>
+              </a:ext>
+            </a:extLst>
+          </p:cNvPr>
+          <p:cNvCxnSpPr>
+            <a:cxnSpLocks/>
+          </p:cNvCxnSpPr>
+          <p:nvPr/>
+        </p:nvCxnSpPr>
+        <p:spPr>
+          <a:xfrm rot="8100000">
+            <a:off x="2776481" y="4023108"/>
+            <a:ext cx="0" cy="252000"/>
+          </a:xfrm>
+          <a:prstGeom prst="straightConnector1">
+            <a:avLst/>
+          </a:prstGeom>
+          <a:ln w="28575">
+            <a:solidFill>
+              <a:schemeClr val="bg1"/>
+            </a:solidFill>
+            <a:tailEnd type="triangle" w="lg" len="lg"/>
+          </a:ln>
+          <a:effectLst>
+            <a:outerShdw blurRad="25400" algn="ctr" rotWithShape="0">
+              <a:prstClr val="black"/>
+            </a:outerShdw>
+          </a:effectLst>
+        </p:spPr>
+        <p:style>
+          <a:lnRef idx="1">
+            <a:schemeClr val="accent1"/>
+          </a:lnRef>
+          <a:fillRef idx="0">
+            <a:schemeClr val="accent1"/>
+          </a:fillRef>
+          <a:effectRef idx="0">
+            <a:schemeClr val="accent1"/>
+          </a:effectRef>
+          <a:fontRef idx="minor">
+            <a:schemeClr val="tx1"/>
+          </a:fontRef>
+        </p:style>
+      </p:cxnSp>
+    </p:spTree>
+    <p:extLst>
+      <p:ext uri="{BB962C8B-B14F-4D97-AF65-F5344CB8AC3E}">
+        <p14:creationId xmlns:p14="http://schemas.microsoft.com/office/powerpoint/2010/main" val="1900140076"/>
       </p:ext>
     </p:extLst>
   </p:cSld>
